--- a/Interações-Detectores-Ionização-2.pptx
+++ b/Interações-Detectores-Ionização-2.pptx
@@ -693,7 +693,7 @@
           <a:p>
             <a:fld id="{471D0754-1959-7F4F-A198-3F4710E170D8}" type="datetime1">
               <a:rPr lang="en-US" noProof="0" smtClean="0"/>
-              <a:t>9/13/2024</a:t>
+              <a:t>11/14/2024</a:t>
             </a:fld>
             <a:endParaRPr lang="en-US" noProof="0"/>
           </a:p>
@@ -1055,7 +1055,7 @@
           <a:p>
             <a:fld id="{471D0754-1959-7F4F-A198-3F4710E170D8}" type="datetime1">
               <a:rPr lang="en-US" noProof="0" smtClean="0"/>
-              <a:t>9/13/2024</a:t>
+              <a:t>11/14/2024</a:t>
             </a:fld>
             <a:endParaRPr lang="en-US" noProof="0"/>
           </a:p>
@@ -1393,7 +1393,7 @@
           <a:p>
             <a:fld id="{471D0754-1959-7F4F-A198-3F4710E170D8}" type="datetime1">
               <a:rPr lang="en-US" noProof="0" smtClean="0"/>
-              <a:t>9/13/2024</a:t>
+              <a:t>11/14/2024</a:t>
             </a:fld>
             <a:endParaRPr lang="en-US" noProof="0"/>
           </a:p>
@@ -1737,7 +1737,7 @@
           <a:p>
             <a:fld id="{F316E73E-FB98-2A42-974A-9CD83D46C100}" type="datetime1">
               <a:rPr lang="en-US" noProof="0" smtClean="0"/>
-              <a:t>9/13/2024</a:t>
+              <a:t>11/14/2024</a:t>
             </a:fld>
             <a:endParaRPr lang="en-US" noProof="0"/>
           </a:p>
@@ -2128,7 +2128,7 @@
           <a:p>
             <a:fld id="{98A115EF-7A83-9842-815E-554E5DEB63CD}" type="datetime1">
               <a:rPr lang="en-US" noProof="0" smtClean="0"/>
-              <a:t>9/13/2024</a:t>
+              <a:t>11/14/2024</a:t>
             </a:fld>
             <a:endParaRPr lang="en-US" noProof="0"/>
           </a:p>
@@ -2246,7 +2246,7 @@
           <a:p>
             <a:fld id="{4BE097A0-4000-B744-87D8-18F42A934248}" type="datetime1">
               <a:rPr lang="en-US" noProof="0" smtClean="0"/>
-              <a:t>9/13/2024</a:t>
+              <a:t>11/14/2024</a:t>
             </a:fld>
             <a:endParaRPr lang="en-US" noProof="0"/>
           </a:p>
@@ -2341,7 +2341,7 @@
           <a:p>
             <a:fld id="{46974EA9-4639-9B48-9E98-70455404EF00}" type="datetime1">
               <a:rPr lang="en-US" noProof="0" smtClean="0"/>
-              <a:t>9/13/2024</a:t>
+              <a:t>11/14/2024</a:t>
             </a:fld>
             <a:endParaRPr lang="en-US" noProof="0"/>
           </a:p>
@@ -2764,7 +2764,7 @@
           <a:p>
             <a:fld id="{C3BDDDD7-72ED-FC4E-8075-0107060235C5}" type="datetime1">
               <a:rPr lang="en-US" noProof="0" smtClean="0"/>
-              <a:t>9/13/2024</a:t>
+              <a:t>11/14/2024</a:t>
             </a:fld>
             <a:endParaRPr lang="en-US" noProof="0"/>
           </a:p>
@@ -3014,7 +3014,7 @@
           <a:p>
             <a:fld id="{26B3D9D9-8B30-6A45-929D-0A0366E2E953}" type="datetime1">
               <a:rPr lang="en-US" noProof="0" smtClean="0"/>
-              <a:t>9/13/2024</a:t>
+              <a:t>11/14/2024</a:t>
             </a:fld>
             <a:endParaRPr lang="en-US" noProof="0"/>
           </a:p>
@@ -3977,7 +3977,7 @@
           <a:p>
             <a:fld id="{54919B67-2563-3544-8019-B2D766585AE6}" type="datetime1">
               <a:rPr lang="en-US" noProof="0" smtClean="0"/>
-              <a:t>9/13/2024</a:t>
+              <a:t>11/14/2024</a:t>
             </a:fld>
             <a:endParaRPr lang="en-US" noProof="0"/>
           </a:p>
@@ -4553,7 +4553,7 @@
           <a:p>
             <a:fld id="{471D0754-1959-7F4F-A198-3F4710E170D8}" type="datetime1">
               <a:rPr lang="en-US" noProof="0" smtClean="0"/>
-              <a:t>9/13/2024</a:t>
+              <a:t>11/14/2024</a:t>
             </a:fld>
             <a:endParaRPr lang="en-US" noProof="0"/>
           </a:p>
@@ -5063,7 +5063,7 @@
           <a:p>
             <a:fld id="{F8F1C92E-34EF-7443-98EE-55EB64C2F5FD}" type="datetime1">
               <a:rPr lang="en-US" noProof="0" smtClean="0"/>
-              <a:t>9/13/2024</a:t>
+              <a:t>11/14/2024</a:t>
             </a:fld>
             <a:endParaRPr lang="en-US" noProof="0"/>
           </a:p>
@@ -5983,7 +5983,7 @@
           <a:p>
             <a:fld id="{4176DA4A-63D4-BC43-9B38-53D06F7CC9C4}" type="datetime1">
               <a:rPr lang="en-US" noProof="0" smtClean="0"/>
-              <a:t>9/13/2024</a:t>
+              <a:t>11/14/2024</a:t>
             </a:fld>
             <a:endParaRPr lang="en-US" noProof="0"/>
           </a:p>
@@ -7414,7 +7414,7 @@
           <a:p>
             <a:fld id="{529964A5-3468-3F49-AD7A-0CF5EB762F89}" type="datetime1">
               <a:rPr lang="en-US" noProof="0" smtClean="0"/>
-              <a:t>9/13/2024</a:t>
+              <a:t>11/14/2024</a:t>
             </a:fld>
             <a:endParaRPr lang="en-US" noProof="0"/>
           </a:p>
@@ -7910,7 +7910,7 @@
           <a:p>
             <a:fld id="{A90851AE-F437-A04B-ADE2-D5E346F2089C}" type="datetime1">
               <a:rPr lang="en-US" noProof="0" smtClean="0"/>
-              <a:t>9/13/2024</a:t>
+              <a:t>11/14/2024</a:t>
             </a:fld>
             <a:endParaRPr lang="en-US" noProof="0"/>
           </a:p>
@@ -10776,8 +10776,8 @@
           </p:sp>
         </mc:Fallback>
       </mc:AlternateContent>
-      <mc:AlternateContent xmlns:mc="http://schemas.openxmlformats.org/markup-compatibility/2006">
-        <mc:Choice xmlns:a14="http://schemas.microsoft.com/office/drawing/2010/main" Requires="a14">
+      <mc:AlternateContent xmlns:mc="http://schemas.openxmlformats.org/markup-compatibility/2006" xmlns:a14="http://schemas.microsoft.com/office/drawing/2010/main">
+        <mc:Choice Requires="a14">
           <p:sp>
             <p:nvSpPr>
               <p:cNvPr id="58" name="CaixaDeTexto 57">
@@ -11729,7 +11729,7 @@
             </p:txBody>
           </p:sp>
         </mc:Choice>
-        <mc:Fallback>
+        <mc:Fallback xmlns="">
           <p:sp>
             <p:nvSpPr>
               <p:cNvPr id="58" name="CaixaDeTexto 57">
@@ -11935,8 +11935,8 @@
             <a:chExt cx="4509026" cy="1573442"/>
           </a:xfrm>
         </p:grpSpPr>
-        <mc:AlternateContent xmlns:mc="http://schemas.openxmlformats.org/markup-compatibility/2006">
-          <mc:Choice xmlns:a14="http://schemas.microsoft.com/office/drawing/2010/main" Requires="a14">
+        <mc:AlternateContent xmlns:mc="http://schemas.openxmlformats.org/markup-compatibility/2006" xmlns:a14="http://schemas.microsoft.com/office/drawing/2010/main">
+          <mc:Choice Requires="a14">
             <p:sp>
               <p:nvSpPr>
                 <p:cNvPr id="59" name="CaixaDeTexto 58">
@@ -12293,7 +12293,7 @@
               </p:txBody>
             </p:sp>
           </mc:Choice>
-          <mc:Fallback>
+          <mc:Fallback xmlns="">
             <p:sp>
               <p:nvSpPr>
                 <p:cNvPr id="59" name="CaixaDeTexto 58">
@@ -12338,8 +12338,8 @@
             </p:sp>
           </mc:Fallback>
         </mc:AlternateContent>
-        <mc:AlternateContent xmlns:mc="http://schemas.openxmlformats.org/markup-compatibility/2006">
-          <mc:Choice xmlns:a14="http://schemas.microsoft.com/office/drawing/2010/main" Requires="a14">
+        <mc:AlternateContent xmlns:mc="http://schemas.openxmlformats.org/markup-compatibility/2006" xmlns:a14="http://schemas.microsoft.com/office/drawing/2010/main">
+          <mc:Choice Requires="a14">
             <p:sp>
               <p:nvSpPr>
                 <p:cNvPr id="63" name="CaixaDeTexto 62">
@@ -12443,7 +12443,7 @@
               </p:txBody>
             </p:sp>
           </mc:Choice>
-          <mc:Fallback>
+          <mc:Fallback xmlns="">
             <p:sp>
               <p:nvSpPr>
                 <p:cNvPr id="63" name="CaixaDeTexto 62">
@@ -12488,8 +12488,8 @@
             </p:sp>
           </mc:Fallback>
         </mc:AlternateContent>
-        <mc:AlternateContent xmlns:mc="http://schemas.openxmlformats.org/markup-compatibility/2006">
-          <mc:Choice xmlns:a14="http://schemas.microsoft.com/office/drawing/2010/main" Requires="a14">
+        <mc:AlternateContent xmlns:mc="http://schemas.openxmlformats.org/markup-compatibility/2006" xmlns:a14="http://schemas.microsoft.com/office/drawing/2010/main">
+          <mc:Choice Requires="a14">
             <p:sp>
               <p:nvSpPr>
                 <p:cNvPr id="64" name="CaixaDeTexto 63">
@@ -12846,7 +12846,7 @@
               </p:txBody>
             </p:sp>
           </mc:Choice>
-          <mc:Fallback>
+          <mc:Fallback xmlns="">
             <p:sp>
               <p:nvSpPr>
                 <p:cNvPr id="64" name="CaixaDeTexto 63">
@@ -12892,8 +12892,8 @@
           </mc:Fallback>
         </mc:AlternateContent>
       </p:grpSp>
-      <mc:AlternateContent xmlns:mc="http://schemas.openxmlformats.org/markup-compatibility/2006">
-        <mc:Choice xmlns:a14="http://schemas.microsoft.com/office/drawing/2010/main" Requires="a14">
+      <mc:AlternateContent xmlns:mc="http://schemas.openxmlformats.org/markup-compatibility/2006" xmlns:a14="http://schemas.microsoft.com/office/drawing/2010/main">
+        <mc:Choice Requires="a14">
           <p:sp>
             <p:nvSpPr>
               <p:cNvPr id="2" name="CaixaDeTexto 1">
@@ -13209,7 +13209,7 @@
             </p:txBody>
           </p:sp>
         </mc:Choice>
-        <mc:Fallback>
+        <mc:Fallback xmlns="">
           <p:sp>
             <p:nvSpPr>
               <p:cNvPr id="2" name="CaixaDeTexto 1">
@@ -13690,8 +13690,8 @@
                 </a:p>
               </p:txBody>
             </p:sp>
-            <mc:AlternateContent xmlns:mc="http://schemas.openxmlformats.org/markup-compatibility/2006">
-              <mc:Choice xmlns:a14="http://schemas.microsoft.com/office/drawing/2010/main" Requires="a14">
+            <mc:AlternateContent xmlns:mc="http://schemas.openxmlformats.org/markup-compatibility/2006" xmlns:a14="http://schemas.microsoft.com/office/drawing/2010/main">
+              <mc:Choice Requires="a14">
                 <p:sp>
                   <p:nvSpPr>
                     <p:cNvPr id="9" name="CaixaDeTexto 8">
@@ -13760,7 +13760,7 @@
                   </p:txBody>
                 </p:sp>
               </mc:Choice>
-              <mc:Fallback>
+              <mc:Fallback xmlns="">
                 <p:sp>
                   <p:nvSpPr>
                     <p:cNvPr id="9" name="CaixaDeTexto 8">
@@ -14283,8 +14283,8 @@
                   </p:txBody>
                 </p:sp>
               </p:grpSp>
-              <mc:AlternateContent xmlns:mc="http://schemas.openxmlformats.org/markup-compatibility/2006">
-                <mc:Choice xmlns:a14="http://schemas.microsoft.com/office/drawing/2010/main" Requires="a14">
+              <mc:AlternateContent xmlns:mc="http://schemas.openxmlformats.org/markup-compatibility/2006" xmlns:a14="http://schemas.microsoft.com/office/drawing/2010/main">
+                <mc:Choice Requires="a14">
                   <p:sp>
                     <p:nvSpPr>
                       <p:cNvPr id="35" name="CaixaDeTexto 34">
@@ -14353,7 +14353,7 @@
                     </p:txBody>
                   </p:sp>
                 </mc:Choice>
-                <mc:Fallback>
+                <mc:Fallback xmlns="">
                   <p:sp>
                     <p:nvSpPr>
                       <p:cNvPr id="35" name="CaixaDeTexto 34">
@@ -14398,8 +14398,8 @@
                   </p:sp>
                 </mc:Fallback>
               </mc:AlternateContent>
-              <mc:AlternateContent xmlns:mc="http://schemas.openxmlformats.org/markup-compatibility/2006">
-                <mc:Choice xmlns:a14="http://schemas.microsoft.com/office/drawing/2010/main" Requires="a14">
+              <mc:AlternateContent xmlns:mc="http://schemas.openxmlformats.org/markup-compatibility/2006" xmlns:a14="http://schemas.microsoft.com/office/drawing/2010/main">
+                <mc:Choice Requires="a14">
                   <p:sp>
                     <p:nvSpPr>
                       <p:cNvPr id="36" name="CaixaDeTexto 35">
@@ -14468,7 +14468,7 @@
                     </p:txBody>
                   </p:sp>
                 </mc:Choice>
-                <mc:Fallback>
+                <mc:Fallback xmlns="">
                   <p:sp>
                     <p:nvSpPr>
                       <p:cNvPr id="36" name="CaixaDeTexto 35">
@@ -14675,8 +14675,8 @@
                   </p:txBody>
                 </p:sp>
               </p:grpSp>
-              <mc:AlternateContent xmlns:mc="http://schemas.openxmlformats.org/markup-compatibility/2006">
-                <mc:Choice xmlns:a14="http://schemas.microsoft.com/office/drawing/2010/main" Requires="a14">
+              <mc:AlternateContent xmlns:mc="http://schemas.openxmlformats.org/markup-compatibility/2006" xmlns:a14="http://schemas.microsoft.com/office/drawing/2010/main">
+                <mc:Choice Requires="a14">
                   <p:sp>
                     <p:nvSpPr>
                       <p:cNvPr id="29" name="CaixaDeTexto 28">
@@ -14745,7 +14745,7 @@
                     </p:txBody>
                   </p:sp>
                 </mc:Choice>
-                <mc:Fallback>
+                <mc:Fallback xmlns="">
                   <p:sp>
                     <p:nvSpPr>
                       <p:cNvPr id="29" name="CaixaDeTexto 28">
@@ -14790,8 +14790,8 @@
                   </p:sp>
                 </mc:Fallback>
               </mc:AlternateContent>
-              <mc:AlternateContent xmlns:mc="http://schemas.openxmlformats.org/markup-compatibility/2006">
-                <mc:Choice xmlns:a14="http://schemas.microsoft.com/office/drawing/2010/main" Requires="a14">
+              <mc:AlternateContent xmlns:mc="http://schemas.openxmlformats.org/markup-compatibility/2006" xmlns:a14="http://schemas.microsoft.com/office/drawing/2010/main">
+                <mc:Choice Requires="a14">
                   <p:sp>
                     <p:nvSpPr>
                       <p:cNvPr id="30" name="CaixaDeTexto 29">
@@ -14860,7 +14860,7 @@
                     </p:txBody>
                   </p:sp>
                 </mc:Choice>
-                <mc:Fallback>
+                <mc:Fallback xmlns="">
                   <p:sp>
                     <p:nvSpPr>
                       <p:cNvPr id="30" name="CaixaDeTexto 29">
@@ -15170,8 +15170,8 @@
           </a:p>
         </p:txBody>
       </p:sp>
-      <mc:AlternateContent xmlns:mc="http://schemas.openxmlformats.org/markup-compatibility/2006">
-        <mc:Choice xmlns:a14="http://schemas.microsoft.com/office/drawing/2010/main" Requires="a14">
+      <mc:AlternateContent xmlns:mc="http://schemas.openxmlformats.org/markup-compatibility/2006" xmlns:a14="http://schemas.microsoft.com/office/drawing/2010/main">
+        <mc:Choice Requires="a14">
           <p:sp>
             <p:nvSpPr>
               <p:cNvPr id="89" name="CaixaDeTexto 88">
@@ -15507,7 +15507,7 @@
             </p:txBody>
           </p:sp>
         </mc:Choice>
-        <mc:Fallback>
+        <mc:Fallback xmlns="">
           <p:sp>
             <p:nvSpPr>
               <p:cNvPr id="89" name="CaixaDeTexto 88">
@@ -16597,8 +16597,8 @@
               <a:chExt cx="407381" cy="728444"/>
             </a:xfrm>
           </p:grpSpPr>
-          <mc:AlternateContent xmlns:mc="http://schemas.openxmlformats.org/markup-compatibility/2006">
-            <mc:Choice xmlns:a14="http://schemas.microsoft.com/office/drawing/2010/main" Requires="a14">
+          <mc:AlternateContent xmlns:mc="http://schemas.openxmlformats.org/markup-compatibility/2006" xmlns:a14="http://schemas.microsoft.com/office/drawing/2010/main">
+            <mc:Choice Requires="a14">
               <p:sp>
                 <p:nvSpPr>
                   <p:cNvPr id="91" name="CaixaDeTexto 90">
@@ -16660,7 +16660,7 @@
                 </p:txBody>
               </p:sp>
             </mc:Choice>
-            <mc:Fallback>
+            <mc:Fallback xmlns="">
               <p:sp>
                 <p:nvSpPr>
                   <p:cNvPr id="91" name="CaixaDeTexto 90">
@@ -24570,8 +24570,8 @@
             <a:chExt cx="296333" cy="266255"/>
           </a:xfrm>
         </p:grpSpPr>
-        <mc:AlternateContent xmlns:mc="http://schemas.openxmlformats.org/markup-compatibility/2006">
-          <mc:Choice xmlns:a14="http://schemas.microsoft.com/office/drawing/2010/main" Requires="a14">
+        <mc:AlternateContent xmlns:mc="http://schemas.openxmlformats.org/markup-compatibility/2006" xmlns:a14="http://schemas.microsoft.com/office/drawing/2010/main">
+          <mc:Choice Requires="a14">
             <p:sp>
               <p:nvSpPr>
                 <p:cNvPr id="73" name="CaixaDeTexto 72">
@@ -24640,7 +24640,7 @@
               </p:txBody>
             </p:sp>
           </mc:Choice>
-          <mc:Fallback>
+          <mc:Fallback xmlns="">
             <p:sp>
               <p:nvSpPr>
                 <p:cNvPr id="73" name="CaixaDeTexto 72">
@@ -45547,7 +45547,7 @@
           <a:p>
             <a:r>
               <a:rPr lang="pt-BR" dirty="0"/>
-              <a:t>Câmaras de arrasto (</a:t>
+              <a:t>Câmara de arrasto (</a:t>
             </a:r>
             <a:r>
               <a:rPr lang="pt-BR" dirty="0" err="1"/>
